--- a/WPF入门.pptx
+++ b/WPF入门.pptx
@@ -4476,7 +4476,7 @@
         <p:spPr>
           <a:xfrm>
             <a:off x="612001" y="627615"/>
-            <a:ext cx="7848270" cy="2330450"/>
+            <a:ext cx="7848270" cy="3599815"/>
           </a:xfrm>
           <a:prstGeom prst="rect">
             <a:avLst/>
@@ -4786,7 +4786,456 @@
                 <a:ea typeface="微软雅黑 Light" panose="020B0502040204020203" pitchFamily="34" charset="-122"/>
                 <a:sym typeface="+mn-ea"/>
               </a:rPr>
-              <a:t>属性值发生变化通知界面，界面也随着变化。委托、事件</a:t>
+              <a:t>一、属性值发生变化通知界面，界面也随着变化。</a:t>
+            </a:r>
+            <a:endParaRPr lang="zh-CN" altLang="en-US" sz="1100" dirty="0">
+              <a:solidFill>
+                <a:schemeClr val="tx1">
+                  <a:lumMod val="75000"/>
+                  <a:lumOff val="25000"/>
+                </a:schemeClr>
+              </a:solidFill>
+              <a:latin typeface="微软雅黑 Light" panose="020B0502040204020203" pitchFamily="34" charset="-122"/>
+              <a:ea typeface="微软雅黑 Light" panose="020B0502040204020203" pitchFamily="34" charset="-122"/>
+              <a:sym typeface="+mn-ea"/>
+            </a:endParaRPr>
+          </a:p>
+          <a:p>
+            <a:pPr algn="l">
+              <a:buClrTx/>
+              <a:buSzTx/>
+            </a:pPr>
+            <a:r>
+              <a:rPr lang="en-US" altLang="zh-CN" sz="1100" dirty="0">
+                <a:solidFill>
+                  <a:schemeClr val="tx1">
+                    <a:lumMod val="75000"/>
+                    <a:lumOff val="25000"/>
+                  </a:schemeClr>
+                </a:solidFill>
+                <a:latin typeface="微软雅黑 Light" panose="020B0502040204020203" pitchFamily="34" charset="-122"/>
+                <a:ea typeface="微软雅黑 Light" panose="020B0502040204020203" pitchFamily="34" charset="-122"/>
+                <a:sym typeface="+mn-ea"/>
+              </a:rPr>
+              <a:t>    </a:t>
+            </a:r>
+            <a:r>
+              <a:rPr lang="zh-CN" altLang="en-US" sz="1100" dirty="0">
+                <a:solidFill>
+                  <a:schemeClr val="tx1">
+                    <a:lumMod val="75000"/>
+                    <a:lumOff val="25000"/>
+                  </a:schemeClr>
+                </a:solidFill>
+                <a:latin typeface="微软雅黑 Light" panose="020B0502040204020203" pitchFamily="34" charset="-122"/>
+                <a:ea typeface="微软雅黑 Light" panose="020B0502040204020203" pitchFamily="34" charset="-122"/>
+                <a:sym typeface="+mn-ea"/>
+              </a:rPr>
+              <a:t>二、委托、事件</a:t>
+            </a:r>
+            <a:endParaRPr lang="zh-CN" altLang="en-US" sz="1100" dirty="0">
+              <a:solidFill>
+                <a:schemeClr val="tx1">
+                  <a:lumMod val="75000"/>
+                  <a:lumOff val="25000"/>
+                </a:schemeClr>
+              </a:solidFill>
+              <a:latin typeface="微软雅黑 Light" panose="020B0502040204020203" pitchFamily="34" charset="-122"/>
+              <a:ea typeface="微软雅黑 Light" panose="020B0502040204020203" pitchFamily="34" charset="-122"/>
+              <a:sym typeface="+mn-ea"/>
+            </a:endParaRPr>
+          </a:p>
+          <a:p>
+            <a:pPr algn="l">
+              <a:buClrTx/>
+              <a:buSzTx/>
+            </a:pPr>
+            <a:r>
+              <a:rPr lang="zh-CN" altLang="en-US" sz="1100" dirty="0">
+                <a:solidFill>
+                  <a:schemeClr val="tx1">
+                    <a:lumMod val="75000"/>
+                    <a:lumOff val="25000"/>
+                  </a:schemeClr>
+                </a:solidFill>
+                <a:latin typeface="微软雅黑 Light" panose="020B0502040204020203" pitchFamily="34" charset="-122"/>
+                <a:ea typeface="微软雅黑 Light" panose="020B0502040204020203" pitchFamily="34" charset="-122"/>
+                <a:sym typeface="+mn-ea"/>
+              </a:rPr>
+              <a:t> </a:t>
+            </a:r>
+            <a:r>
+              <a:rPr lang="en-US" altLang="zh-CN" sz="1100" dirty="0">
+                <a:solidFill>
+                  <a:schemeClr val="tx1">
+                    <a:lumMod val="75000"/>
+                    <a:lumOff val="25000"/>
+                  </a:schemeClr>
+                </a:solidFill>
+                <a:latin typeface="微软雅黑 Light" panose="020B0502040204020203" pitchFamily="34" charset="-122"/>
+                <a:ea typeface="微软雅黑 Light" panose="020B0502040204020203" pitchFamily="34" charset="-122"/>
+                <a:sym typeface="+mn-ea"/>
+              </a:rPr>
+              <a:t>   </a:t>
+            </a:r>
+            <a:r>
+              <a:rPr lang="zh-CN" altLang="en-US" sz="1100" dirty="0">
+                <a:solidFill>
+                  <a:schemeClr val="tx1">
+                    <a:lumMod val="75000"/>
+                    <a:lumOff val="25000"/>
+                  </a:schemeClr>
+                </a:solidFill>
+                <a:latin typeface="微软雅黑 Light" panose="020B0502040204020203" pitchFamily="34" charset="-122"/>
+                <a:ea typeface="微软雅黑 Light" panose="020B0502040204020203" pitchFamily="34" charset="-122"/>
+                <a:sym typeface="+mn-ea"/>
+              </a:rPr>
+              <a:t>自定义委托</a:t>
+            </a:r>
+            <a:r>
+              <a:rPr lang="en-US" altLang="zh-CN" sz="1100" dirty="0">
+                <a:solidFill>
+                  <a:schemeClr val="tx1">
+                    <a:lumMod val="75000"/>
+                    <a:lumOff val="25000"/>
+                  </a:schemeClr>
+                </a:solidFill>
+                <a:latin typeface="微软雅黑 Light" panose="020B0502040204020203" pitchFamily="34" charset="-122"/>
+                <a:ea typeface="微软雅黑 Light" panose="020B0502040204020203" pitchFamily="34" charset="-122"/>
+                <a:sym typeface="+mn-ea"/>
+              </a:rPr>
+              <a:t>:delegate</a:t>
+            </a:r>
+            <a:r>
+              <a:rPr lang="zh-CN" altLang="en-US" sz="1100" dirty="0">
+                <a:solidFill>
+                  <a:schemeClr val="tx1">
+                    <a:lumMod val="75000"/>
+                    <a:lumOff val="25000"/>
+                  </a:schemeClr>
+                </a:solidFill>
+                <a:latin typeface="微软雅黑 Light" panose="020B0502040204020203" pitchFamily="34" charset="-122"/>
+                <a:ea typeface="微软雅黑 Light" panose="020B0502040204020203" pitchFamily="34" charset="-122"/>
+                <a:sym typeface="+mn-ea"/>
+              </a:rPr>
+              <a:t>。系统委托</a:t>
+            </a:r>
+            <a:r>
+              <a:rPr lang="en-US" altLang="zh-CN" sz="1100" dirty="0">
+                <a:solidFill>
+                  <a:schemeClr val="tx1">
+                    <a:lumMod val="75000"/>
+                    <a:lumOff val="25000"/>
+                  </a:schemeClr>
+                </a:solidFill>
+                <a:latin typeface="微软雅黑 Light" panose="020B0502040204020203" pitchFamily="34" charset="-122"/>
+                <a:ea typeface="微软雅黑 Light" panose="020B0502040204020203" pitchFamily="34" charset="-122"/>
+                <a:sym typeface="+mn-ea"/>
+              </a:rPr>
+              <a:t>:Func(</a:t>
+            </a:r>
+            <a:r>
+              <a:rPr lang="zh-CN" altLang="en-US" sz="1100" dirty="0">
+                <a:solidFill>
+                  <a:schemeClr val="tx1">
+                    <a:lumMod val="75000"/>
+                    <a:lumOff val="25000"/>
+                  </a:schemeClr>
+                </a:solidFill>
+                <a:latin typeface="微软雅黑 Light" panose="020B0502040204020203" pitchFamily="34" charset="-122"/>
+                <a:ea typeface="微软雅黑 Light" panose="020B0502040204020203" pitchFamily="34" charset="-122"/>
+                <a:sym typeface="+mn-ea"/>
+              </a:rPr>
+              <a:t>有返回值</a:t>
+            </a:r>
+            <a:r>
+              <a:rPr lang="en-US" altLang="zh-CN" sz="1100" dirty="0">
+                <a:solidFill>
+                  <a:schemeClr val="tx1">
+                    <a:lumMod val="75000"/>
+                    <a:lumOff val="25000"/>
+                  </a:schemeClr>
+                </a:solidFill>
+                <a:latin typeface="微软雅黑 Light" panose="020B0502040204020203" pitchFamily="34" charset="-122"/>
+                <a:ea typeface="微软雅黑 Light" panose="020B0502040204020203" pitchFamily="34" charset="-122"/>
+                <a:sym typeface="+mn-ea"/>
+              </a:rPr>
+              <a:t>)</a:t>
+            </a:r>
+            <a:r>
+              <a:rPr lang="zh-CN" altLang="en-US" sz="1100" dirty="0">
+                <a:solidFill>
+                  <a:schemeClr val="tx1">
+                    <a:lumMod val="75000"/>
+                    <a:lumOff val="25000"/>
+                  </a:schemeClr>
+                </a:solidFill>
+                <a:latin typeface="微软雅黑 Light" panose="020B0502040204020203" pitchFamily="34" charset="-122"/>
+                <a:ea typeface="微软雅黑 Light" panose="020B0502040204020203" pitchFamily="34" charset="-122"/>
+                <a:sym typeface="+mn-ea"/>
+              </a:rPr>
+              <a:t>、</a:t>
+            </a:r>
+            <a:r>
+              <a:rPr lang="en-US" altLang="zh-CN" sz="1100" dirty="0">
+                <a:solidFill>
+                  <a:schemeClr val="tx1">
+                    <a:lumMod val="75000"/>
+                    <a:lumOff val="25000"/>
+                  </a:schemeClr>
+                </a:solidFill>
+                <a:latin typeface="微软雅黑 Light" panose="020B0502040204020203" pitchFamily="34" charset="-122"/>
+                <a:ea typeface="微软雅黑 Light" panose="020B0502040204020203" pitchFamily="34" charset="-122"/>
+                <a:sym typeface="+mn-ea"/>
+              </a:rPr>
+              <a:t>Action(</a:t>
+            </a:r>
+            <a:r>
+              <a:rPr lang="zh-CN" altLang="en-US" sz="1100" dirty="0">
+                <a:solidFill>
+                  <a:schemeClr val="tx1">
+                    <a:lumMod val="75000"/>
+                    <a:lumOff val="25000"/>
+                  </a:schemeClr>
+                </a:solidFill>
+                <a:latin typeface="微软雅黑 Light" panose="020B0502040204020203" pitchFamily="34" charset="-122"/>
+                <a:ea typeface="微软雅黑 Light" panose="020B0502040204020203" pitchFamily="34" charset="-122"/>
+                <a:sym typeface="+mn-ea"/>
+              </a:rPr>
+              <a:t>无返回值</a:t>
+            </a:r>
+            <a:r>
+              <a:rPr lang="en-US" altLang="zh-CN" sz="1100" dirty="0">
+                <a:solidFill>
+                  <a:schemeClr val="tx1">
+                    <a:lumMod val="75000"/>
+                    <a:lumOff val="25000"/>
+                  </a:schemeClr>
+                </a:solidFill>
+                <a:latin typeface="微软雅黑 Light" panose="020B0502040204020203" pitchFamily="34" charset="-122"/>
+                <a:ea typeface="微软雅黑 Light" panose="020B0502040204020203" pitchFamily="34" charset="-122"/>
+                <a:sym typeface="+mn-ea"/>
+              </a:rPr>
+              <a:t>)</a:t>
+            </a:r>
+            <a:endParaRPr lang="zh-CN" altLang="en-US" sz="1100" dirty="0">
+              <a:solidFill>
+                <a:schemeClr val="tx1">
+                  <a:lumMod val="75000"/>
+                  <a:lumOff val="25000"/>
+                </a:schemeClr>
+              </a:solidFill>
+              <a:latin typeface="微软雅黑 Light" panose="020B0502040204020203" pitchFamily="34" charset="-122"/>
+              <a:ea typeface="微软雅黑 Light" panose="020B0502040204020203" pitchFamily="34" charset="-122"/>
+              <a:sym typeface="+mn-ea"/>
+            </a:endParaRPr>
+          </a:p>
+          <a:p>
+            <a:pPr algn="l">
+              <a:buClrTx/>
+              <a:buSzTx/>
+            </a:pPr>
+            <a:r>
+              <a:rPr lang="zh-CN" altLang="en-US" sz="1100" dirty="0">
+                <a:solidFill>
+                  <a:schemeClr val="tx1">
+                    <a:lumMod val="75000"/>
+                    <a:lumOff val="25000"/>
+                  </a:schemeClr>
+                </a:solidFill>
+                <a:latin typeface="微软雅黑 Light" panose="020B0502040204020203" pitchFamily="34" charset="-122"/>
+                <a:ea typeface="微软雅黑 Light" panose="020B0502040204020203" pitchFamily="34" charset="-122"/>
+                <a:sym typeface="+mn-ea"/>
+              </a:rPr>
+              <a:t> </a:t>
+            </a:r>
+            <a:r>
+              <a:rPr lang="en-US" altLang="zh-CN" sz="1100" dirty="0">
+                <a:solidFill>
+                  <a:schemeClr val="tx1">
+                    <a:lumMod val="75000"/>
+                    <a:lumOff val="25000"/>
+                  </a:schemeClr>
+                </a:solidFill>
+                <a:latin typeface="微软雅黑 Light" panose="020B0502040204020203" pitchFamily="34" charset="-122"/>
+                <a:ea typeface="微软雅黑 Light" panose="020B0502040204020203" pitchFamily="34" charset="-122"/>
+                <a:sym typeface="+mn-ea"/>
+              </a:rPr>
+              <a:t>   </a:t>
+            </a:r>
+            <a:r>
+              <a:rPr lang="zh-CN" altLang="en-US" sz="1100" dirty="0">
+                <a:solidFill>
+                  <a:schemeClr val="tx1">
+                    <a:lumMod val="75000"/>
+                    <a:lumOff val="25000"/>
+                  </a:schemeClr>
+                </a:solidFill>
+                <a:latin typeface="微软雅黑 Light" panose="020B0502040204020203" pitchFamily="34" charset="-122"/>
+                <a:ea typeface="微软雅黑 Light" panose="020B0502040204020203" pitchFamily="34" charset="-122"/>
+                <a:sym typeface="+mn-ea"/>
+              </a:rPr>
+              <a:t>委托、事件区别</a:t>
+            </a:r>
+            <a:r>
+              <a:rPr lang="en-US" altLang="zh-CN" sz="1100" dirty="0">
+                <a:solidFill>
+                  <a:schemeClr val="tx1">
+                    <a:lumMod val="75000"/>
+                    <a:lumOff val="25000"/>
+                  </a:schemeClr>
+                </a:solidFill>
+                <a:latin typeface="微软雅黑 Light" panose="020B0502040204020203" pitchFamily="34" charset="-122"/>
+                <a:ea typeface="微软雅黑 Light" panose="020B0502040204020203" pitchFamily="34" charset="-122"/>
+                <a:sym typeface="+mn-ea"/>
+              </a:rPr>
+              <a:t>:(</a:t>
+            </a:r>
+            <a:r>
+              <a:rPr lang="zh-CN" altLang="en-US" sz="1100" dirty="0">
+                <a:solidFill>
+                  <a:schemeClr val="tx1">
+                    <a:lumMod val="75000"/>
+                    <a:lumOff val="25000"/>
+                  </a:schemeClr>
+                </a:solidFill>
+                <a:latin typeface="微软雅黑 Light" panose="020B0502040204020203" pitchFamily="34" charset="-122"/>
+                <a:ea typeface="微软雅黑 Light" panose="020B0502040204020203" pitchFamily="34" charset="-122"/>
+                <a:sym typeface="+mn-ea"/>
+              </a:rPr>
+              <a:t>安全性</a:t>
+            </a:r>
+            <a:r>
+              <a:rPr lang="en-US" altLang="zh-CN" sz="1100" dirty="0">
+                <a:solidFill>
+                  <a:schemeClr val="tx1">
+                    <a:lumMod val="75000"/>
+                    <a:lumOff val="25000"/>
+                  </a:schemeClr>
+                </a:solidFill>
+                <a:latin typeface="微软雅黑 Light" panose="020B0502040204020203" pitchFamily="34" charset="-122"/>
+                <a:ea typeface="微软雅黑 Light" panose="020B0502040204020203" pitchFamily="34" charset="-122"/>
+                <a:sym typeface="+mn-ea"/>
+              </a:rPr>
+              <a:t>)</a:t>
+            </a:r>
+            <a:endParaRPr lang="zh-CN" altLang="en-US" sz="1100" dirty="0">
+              <a:solidFill>
+                <a:schemeClr val="tx1">
+                  <a:lumMod val="75000"/>
+                  <a:lumOff val="25000"/>
+                </a:schemeClr>
+              </a:solidFill>
+              <a:latin typeface="微软雅黑 Light" panose="020B0502040204020203" pitchFamily="34" charset="-122"/>
+              <a:ea typeface="微软雅黑 Light" panose="020B0502040204020203" pitchFamily="34" charset="-122"/>
+              <a:sym typeface="+mn-ea"/>
+            </a:endParaRPr>
+          </a:p>
+          <a:p>
+            <a:pPr algn="l">
+              <a:buClrTx/>
+              <a:buSzTx/>
+            </a:pPr>
+            <a:r>
+              <a:rPr lang="en-US" altLang="zh-CN" sz="1100" dirty="0">
+                <a:solidFill>
+                  <a:schemeClr val="tx1">
+                    <a:lumMod val="75000"/>
+                    <a:lumOff val="25000"/>
+                  </a:schemeClr>
+                </a:solidFill>
+                <a:latin typeface="微软雅黑 Light" panose="020B0502040204020203" pitchFamily="34" charset="-122"/>
+                <a:ea typeface="微软雅黑 Light" panose="020B0502040204020203" pitchFamily="34" charset="-122"/>
+                <a:sym typeface="+mn-ea"/>
+              </a:rPr>
+              <a:t>    1</a:t>
+            </a:r>
+            <a:r>
+              <a:rPr lang="zh-CN" altLang="en-US" sz="1100" dirty="0">
+                <a:solidFill>
+                  <a:schemeClr val="tx1">
+                    <a:lumMod val="75000"/>
+                    <a:lumOff val="25000"/>
+                  </a:schemeClr>
+                </a:solidFill>
+                <a:latin typeface="微软雅黑 Light" panose="020B0502040204020203" pitchFamily="34" charset="-122"/>
+                <a:ea typeface="微软雅黑 Light" panose="020B0502040204020203" pitchFamily="34" charset="-122"/>
+                <a:sym typeface="+mn-ea"/>
+              </a:rPr>
+              <a:t> 、使用位置不同</a:t>
+            </a:r>
+            <a:r>
+              <a:rPr lang="zh-CN" altLang="en-US" sz="1100" dirty="0">
+                <a:solidFill>
+                  <a:schemeClr val="tx1">
+                    <a:lumMod val="75000"/>
+                    <a:lumOff val="25000"/>
+                  </a:schemeClr>
+                </a:solidFill>
+                <a:latin typeface="微软雅黑 Light" panose="020B0502040204020203" pitchFamily="34" charset="-122"/>
+                <a:ea typeface="微软雅黑 Light" panose="020B0502040204020203" pitchFamily="34" charset="-122"/>
+                <a:sym typeface="+mn-ea"/>
+              </a:rPr>
+              <a:t>:事件只能在本类型内部“触发”，委托不管在本类型内部还是外部都可以“调用”。</a:t>
+            </a:r>
+            <a:endParaRPr lang="zh-CN" altLang="en-US" sz="1100" dirty="0">
+              <a:solidFill>
+                <a:schemeClr val="tx1">
+                  <a:lumMod val="75000"/>
+                  <a:lumOff val="25000"/>
+                </a:schemeClr>
+              </a:solidFill>
+              <a:latin typeface="微软雅黑 Light" panose="020B0502040204020203" pitchFamily="34" charset="-122"/>
+              <a:ea typeface="微软雅黑 Light" panose="020B0502040204020203" pitchFamily="34" charset="-122"/>
+              <a:sym typeface="+mn-ea"/>
+            </a:endParaRPr>
+          </a:p>
+          <a:p>
+            <a:pPr algn="l">
+              <a:buClrTx/>
+              <a:buSzTx/>
+            </a:pPr>
+            <a:r>
+              <a:rPr lang="en-US" altLang="zh-CN" sz="1100" dirty="0">
+                <a:solidFill>
+                  <a:schemeClr val="tx1">
+                    <a:lumMod val="75000"/>
+                    <a:lumOff val="25000"/>
+                  </a:schemeClr>
+                </a:solidFill>
+                <a:latin typeface="微软雅黑 Light" panose="020B0502040204020203" pitchFamily="34" charset="-122"/>
+                <a:ea typeface="微软雅黑 Light" panose="020B0502040204020203" pitchFamily="34" charset="-122"/>
+                <a:sym typeface="+mn-ea"/>
+              </a:rPr>
+              <a:t>    2</a:t>
+            </a:r>
+            <a:r>
+              <a:rPr lang="zh-CN" altLang="en-US" sz="1100" dirty="0">
+                <a:solidFill>
+                  <a:schemeClr val="tx1">
+                    <a:lumMod val="75000"/>
+                    <a:lumOff val="25000"/>
+                  </a:schemeClr>
+                </a:solidFill>
+                <a:latin typeface="微软雅黑 Light" panose="020B0502040204020203" pitchFamily="34" charset="-122"/>
+                <a:ea typeface="微软雅黑 Light" panose="020B0502040204020203" pitchFamily="34" charset="-122"/>
+                <a:sym typeface="+mn-ea"/>
+              </a:rPr>
+              <a:t>、使用符号不同</a:t>
+            </a:r>
+            <a:r>
+              <a:rPr lang="zh-CN" altLang="en-US" sz="1100" dirty="0">
+                <a:solidFill>
+                  <a:schemeClr val="tx1">
+                    <a:lumMod val="75000"/>
+                    <a:lumOff val="25000"/>
+                  </a:schemeClr>
+                </a:solidFill>
+                <a:latin typeface="微软雅黑 Light" panose="020B0502040204020203" pitchFamily="34" charset="-122"/>
+                <a:ea typeface="微软雅黑 Light" panose="020B0502040204020203" pitchFamily="34" charset="-122"/>
+                <a:sym typeface="+mn-ea"/>
+              </a:rPr>
+              <a:t>:在类的外部，事件只能用“+=”和“-=”去订阅/取消订阅，如果是委托的话还可以使用“=”。</a:t>
             </a:r>
             <a:endParaRPr lang="zh-CN" altLang="en-US" sz="1100" dirty="0">
               <a:solidFill>

--- a/WPF入门.pptx
+++ b/WPF入门.pptx
@@ -5579,7 +5579,59 @@
                 <a:latin typeface="微软雅黑 Light" panose="020B0502040204020203" pitchFamily="34" charset="-122"/>
                 <a:ea typeface="微软雅黑 Light" panose="020B0502040204020203" pitchFamily="34" charset="-122"/>
               </a:rPr>
-              <a:t>M</a:t>
+              <a:t>M   </a:t>
+            </a:r>
+            <a:r>
+              <a:rPr lang="zh-CN" altLang="en-US" sz="1100" dirty="0">
+                <a:solidFill>
+                  <a:schemeClr val="tx1">
+                    <a:lumMod val="75000"/>
+                    <a:lumOff val="25000"/>
+                  </a:schemeClr>
+                </a:solidFill>
+                <a:latin typeface="微软雅黑 Light" panose="020B0502040204020203" pitchFamily="34" charset="-122"/>
+                <a:ea typeface="微软雅黑 Light" panose="020B0502040204020203" pitchFamily="34" charset="-122"/>
+              </a:rPr>
+              <a:t>视图</a:t>
+            </a:r>
+            <a:r>
+              <a:rPr lang="en-US" altLang="zh-CN" sz="1100" dirty="0">
+                <a:solidFill>
+                  <a:schemeClr val="tx1">
+                    <a:lumMod val="75000"/>
+                    <a:lumOff val="25000"/>
+                  </a:schemeClr>
+                </a:solidFill>
+                <a:latin typeface="微软雅黑 Light" panose="020B0502040204020203" pitchFamily="34" charset="-122"/>
+                <a:ea typeface="微软雅黑 Light" panose="020B0502040204020203" pitchFamily="34" charset="-122"/>
+              </a:rPr>
+              <a:t>V     </a:t>
+            </a:r>
+            <a:r>
+              <a:rPr lang="zh-CN" altLang="en-US" sz="1100" dirty="0">
+                <a:solidFill>
+                  <a:schemeClr val="tx1">
+                    <a:lumMod val="75000"/>
+                    <a:lumOff val="25000"/>
+                  </a:schemeClr>
+                </a:solidFill>
+                <a:latin typeface="微软雅黑 Light" panose="020B0502040204020203" pitchFamily="34" charset="-122"/>
+                <a:ea typeface="微软雅黑 Light" panose="020B0502040204020203" pitchFamily="34" charset="-122"/>
+              </a:rPr>
+              <a:t>视图模型</a:t>
+            </a:r>
+            <a:r>
+              <a:rPr lang="en-US" altLang="zh-CN" sz="1100" dirty="0">
+                <a:solidFill>
+                  <a:schemeClr val="tx1">
+                    <a:lumMod val="75000"/>
+                    <a:lumOff val="25000"/>
+                  </a:schemeClr>
+                </a:solidFill>
+                <a:latin typeface="微软雅黑 Light" panose="020B0502040204020203" pitchFamily="34" charset="-122"/>
+                <a:ea typeface="微软雅黑 Light" panose="020B0502040204020203" pitchFamily="34" charset="-122"/>
+              </a:rPr>
+              <a:t>VM  (MVVM)</a:t>
             </a:r>
             <a:endParaRPr lang="en-US" altLang="zh-CN" sz="1100" dirty="0">
               <a:solidFill>
@@ -5973,7 +6025,7 @@
         <p:spPr>
           <a:xfrm>
             <a:off x="612001" y="627615"/>
-            <a:ext cx="7848270" cy="1176020"/>
+            <a:ext cx="7848270" cy="2445385"/>
           </a:xfrm>
           <a:prstGeom prst="rect">
             <a:avLst/>
@@ -6172,6 +6224,81 @@
               <a:t>密码文本框</a:t>
             </a:r>
             <a:endParaRPr lang="zh-CN" altLang="en-US" sz="1100" dirty="0">
+              <a:solidFill>
+                <a:schemeClr val="tx1">
+                  <a:lumMod val="75000"/>
+                  <a:lumOff val="25000"/>
+                </a:schemeClr>
+              </a:solidFill>
+              <a:latin typeface="微软雅黑 Light" panose="020B0502040204020203" pitchFamily="34" charset="-122"/>
+              <a:ea typeface="微软雅黑 Light" panose="020B0502040204020203" pitchFamily="34" charset="-122"/>
+            </a:endParaRPr>
+          </a:p>
+          <a:p>
+            <a:r>
+              <a:rPr lang="en-US" altLang="zh-CN" sz="1100" dirty="0">
+                <a:solidFill>
+                  <a:schemeClr val="tx1">
+                    <a:lumMod val="75000"/>
+                    <a:lumOff val="25000"/>
+                  </a:schemeClr>
+                </a:solidFill>
+                <a:latin typeface="微软雅黑 Light" panose="020B0502040204020203" pitchFamily="34" charset="-122"/>
+                <a:ea typeface="微软雅黑 Light" panose="020B0502040204020203" pitchFamily="34" charset="-122"/>
+              </a:rPr>
+              <a:t>依赖属性和附加属性定义</a:t>
+            </a:r>
+            <a:endParaRPr lang="en-US" altLang="zh-CN" sz="1100" dirty="0">
+              <a:solidFill>
+                <a:schemeClr val="tx1">
+                  <a:lumMod val="75000"/>
+                  <a:lumOff val="25000"/>
+                </a:schemeClr>
+              </a:solidFill>
+              <a:latin typeface="微软雅黑 Light" panose="020B0502040204020203" pitchFamily="34" charset="-122"/>
+              <a:ea typeface="微软雅黑 Light" panose="020B0502040204020203" pitchFamily="34" charset="-122"/>
+            </a:endParaRPr>
+          </a:p>
+          <a:p>
+            <a:r>
+              <a:rPr lang="en-US" altLang="zh-CN" sz="1100" dirty="0">
+                <a:solidFill>
+                  <a:schemeClr val="tx1">
+                    <a:lumMod val="75000"/>
+                    <a:lumOff val="25000"/>
+                  </a:schemeClr>
+                </a:solidFill>
+                <a:latin typeface="微软雅黑 Light" panose="020B0502040204020203" pitchFamily="34" charset="-122"/>
+                <a:ea typeface="微软雅黑 Light" panose="020B0502040204020203" pitchFamily="34" charset="-122"/>
+              </a:rPr>
+              <a:t>    依赖属性是一种自己可以没有值，并且可以通过Binding绑定从其他数据源获取值。依赖属性可支持WPF中的样式设置、数据绑定DataGrid、继承、动画及默认值。</a:t>
+            </a:r>
+            <a:endParaRPr lang="en-US" altLang="zh-CN" sz="1100" dirty="0">
+              <a:solidFill>
+                <a:schemeClr val="tx1">
+                  <a:lumMod val="75000"/>
+                  <a:lumOff val="25000"/>
+                </a:schemeClr>
+              </a:solidFill>
+              <a:latin typeface="微软雅黑 Light" panose="020B0502040204020203" pitchFamily="34" charset="-122"/>
+              <a:ea typeface="微软雅黑 Light" panose="020B0502040204020203" pitchFamily="34" charset="-122"/>
+            </a:endParaRPr>
+          </a:p>
+          <a:p>
+            <a:r>
+              <a:rPr lang="en-US" altLang="zh-CN" sz="1100" dirty="0">
+                <a:solidFill>
+                  <a:schemeClr val="tx1">
+                    <a:lumMod val="75000"/>
+                    <a:lumOff val="25000"/>
+                  </a:schemeClr>
+                </a:solidFill>
+                <a:latin typeface="微软雅黑 Light" panose="020B0502040204020203" pitchFamily="34" charset="-122"/>
+                <a:ea typeface="微软雅黑 Light" panose="020B0502040204020203" pitchFamily="34" charset="-122"/>
+              </a:rPr>
+              <a:t>    附加属性是一种特殊的依赖属性，它允许给这个对象添加一个不属于它的值(另一个对象的值)，从而去改变另一个对象的值，它是由于某种需求而被后来附加上，也就是把对象放入一个特定环境后对象才具有的属性就称为附加属性</a:t>
+            </a:r>
+            <a:endParaRPr lang="en-US" altLang="zh-CN" sz="1100" dirty="0">
               <a:solidFill>
                 <a:schemeClr val="tx1">
                   <a:lumMod val="75000"/>
